--- a/ppt 16-9/0742.你耳边是否有.pptx
+++ b/ppt 16-9/0742.你耳边是否有.pptx
@@ -5,7 +5,7 @@
     <p:sldMasterId id="2147483648" r:id="rId1"/>
   </p:sldMasterIdLst>
   <p:sldIdLst>
-    <p:sldId id="1985" r:id="rId2"/>
+    <p:sldId id="1986" r:id="rId2"/>
   </p:sldIdLst>
   <p:sldSz cx="12192000" cy="6858000"/>
   <p:notesSz cx="6858000" cy="9144000"/>
@@ -129,7 +129,7 @@
           <p:cNvPr id="2" name="标题 1">
             <a:extLst>
               <a:ext uri="{FF2B5EF4-FFF2-40B4-BE49-F238E27FC236}">
-                <a16:creationId xmlns:a16="http://schemas.microsoft.com/office/drawing/2014/main" id="{A80B82F4-2329-E925-3703-607A640C110B}"/>
+                <a16:creationId xmlns:a16="http://schemas.microsoft.com/office/drawing/2014/main" id="{89A27295-19E1-EF97-A851-CE8F15835707}"/>
               </a:ext>
             </a:extLst>
           </p:cNvPr>
@@ -166,7 +166,7 @@
           <p:cNvPr id="3" name="副标题 2">
             <a:extLst>
               <a:ext uri="{FF2B5EF4-FFF2-40B4-BE49-F238E27FC236}">
-                <a16:creationId xmlns:a16="http://schemas.microsoft.com/office/drawing/2014/main" id="{6F4D8A17-6D7E-F03B-B5B6-6ED94AF755BF}"/>
+                <a16:creationId xmlns:a16="http://schemas.microsoft.com/office/drawing/2014/main" id="{72FE70BF-7D09-864C-1F06-FD37D071154B}"/>
               </a:ext>
             </a:extLst>
           </p:cNvPr>
@@ -236,7 +236,7 @@
           <p:cNvPr id="4" name="日期占位符 3">
             <a:extLst>
               <a:ext uri="{FF2B5EF4-FFF2-40B4-BE49-F238E27FC236}">
-                <a16:creationId xmlns:a16="http://schemas.microsoft.com/office/drawing/2014/main" id="{9F244A33-0D54-E957-BC17-8EA7221B3F31}"/>
+                <a16:creationId xmlns:a16="http://schemas.microsoft.com/office/drawing/2014/main" id="{F86FB137-87AB-3C4B-C838-BF7AAF3873D6}"/>
               </a:ext>
             </a:extLst>
           </p:cNvPr>
@@ -252,7 +252,7 @@
           <a:bodyPr/>
           <a:lstStyle/>
           <a:p>
-            <a:fld id="{EFE01AF5-66BE-41D3-B089-5F7E7E2E8ED6}" type="datetimeFigureOut">
+            <a:fld id="{3DC9A820-0347-429E-885F-7C8EB7058D20}" type="datetimeFigureOut">
               <a:rPr lang="zh-CN" altLang="en-US" smtClean="0"/>
               <a:t>2024/3/10</a:t>
             </a:fld>
@@ -265,7 +265,7 @@
           <p:cNvPr id="5" name="页脚占位符 4">
             <a:extLst>
               <a:ext uri="{FF2B5EF4-FFF2-40B4-BE49-F238E27FC236}">
-                <a16:creationId xmlns:a16="http://schemas.microsoft.com/office/drawing/2014/main" id="{8987BB1D-43ED-DF63-0593-7D943B7F7BF2}"/>
+                <a16:creationId xmlns:a16="http://schemas.microsoft.com/office/drawing/2014/main" id="{244C10EA-162D-374A-79D3-8C4281CA3CCA}"/>
               </a:ext>
             </a:extLst>
           </p:cNvPr>
@@ -290,7 +290,7 @@
           <p:cNvPr id="6" name="灯片编号占位符 5">
             <a:extLst>
               <a:ext uri="{FF2B5EF4-FFF2-40B4-BE49-F238E27FC236}">
-                <a16:creationId xmlns:a16="http://schemas.microsoft.com/office/drawing/2014/main" id="{FCB0E460-2387-17B4-BD9A-A09DF32177CA}"/>
+                <a16:creationId xmlns:a16="http://schemas.microsoft.com/office/drawing/2014/main" id="{66F39912-AC99-EBC2-844C-3C2AABFC6903}"/>
               </a:ext>
             </a:extLst>
           </p:cNvPr>
@@ -306,7 +306,7 @@
           <a:bodyPr/>
           <a:lstStyle/>
           <a:p>
-            <a:fld id="{C6297DD9-AEC7-4783-AC5F-5D591DD8F1C9}" type="slidenum">
+            <a:fld id="{4D4E93F3-C8D8-4DFD-868C-B18796318157}" type="slidenum">
               <a:rPr lang="zh-CN" altLang="en-US" smtClean="0"/>
               <a:t>‹#›</a:t>
             </a:fld>
@@ -317,7 +317,7 @@
     </p:spTree>
     <p:extLst>
       <p:ext uri="{BB962C8B-B14F-4D97-AF65-F5344CB8AC3E}">
-        <p14:creationId xmlns:p14="http://schemas.microsoft.com/office/powerpoint/2010/main" val="760057991"/>
+        <p14:creationId xmlns:p14="http://schemas.microsoft.com/office/powerpoint/2010/main" val="3204114204"/>
       </p:ext>
     </p:extLst>
   </p:cSld>
@@ -349,7 +349,7 @@
           <p:cNvPr id="2" name="标题 1">
             <a:extLst>
               <a:ext uri="{FF2B5EF4-FFF2-40B4-BE49-F238E27FC236}">
-                <a16:creationId xmlns:a16="http://schemas.microsoft.com/office/drawing/2014/main" id="{82D2608A-7843-806B-5D98-ECFE2508ED85}"/>
+                <a16:creationId xmlns:a16="http://schemas.microsoft.com/office/drawing/2014/main" id="{DD7C8296-AA54-983C-FFF6-F275E91BB75F}"/>
               </a:ext>
             </a:extLst>
           </p:cNvPr>
@@ -377,7 +377,7 @@
           <p:cNvPr id="3" name="竖排文字占位符 2">
             <a:extLst>
               <a:ext uri="{FF2B5EF4-FFF2-40B4-BE49-F238E27FC236}">
-                <a16:creationId xmlns:a16="http://schemas.microsoft.com/office/drawing/2014/main" id="{D979D48E-70DF-7372-91A6-54F731F82288}"/>
+                <a16:creationId xmlns:a16="http://schemas.microsoft.com/office/drawing/2014/main" id="{D41CFDF2-F881-9FB4-3993-0EF7200924DC}"/>
               </a:ext>
             </a:extLst>
           </p:cNvPr>
@@ -434,7 +434,7 @@
           <p:cNvPr id="4" name="日期占位符 3">
             <a:extLst>
               <a:ext uri="{FF2B5EF4-FFF2-40B4-BE49-F238E27FC236}">
-                <a16:creationId xmlns:a16="http://schemas.microsoft.com/office/drawing/2014/main" id="{E53EDF0A-089C-7B48-D8B3-15681C89E1C0}"/>
+                <a16:creationId xmlns:a16="http://schemas.microsoft.com/office/drawing/2014/main" id="{E3EE2CF3-B881-BF7C-3684-590DB1367E3E}"/>
               </a:ext>
             </a:extLst>
           </p:cNvPr>
@@ -450,7 +450,7 @@
           <a:bodyPr/>
           <a:lstStyle/>
           <a:p>
-            <a:fld id="{EFE01AF5-66BE-41D3-B089-5F7E7E2E8ED6}" type="datetimeFigureOut">
+            <a:fld id="{3DC9A820-0347-429E-885F-7C8EB7058D20}" type="datetimeFigureOut">
               <a:rPr lang="zh-CN" altLang="en-US" smtClean="0"/>
               <a:t>2024/3/10</a:t>
             </a:fld>
@@ -463,7 +463,7 @@
           <p:cNvPr id="5" name="页脚占位符 4">
             <a:extLst>
               <a:ext uri="{FF2B5EF4-FFF2-40B4-BE49-F238E27FC236}">
-                <a16:creationId xmlns:a16="http://schemas.microsoft.com/office/drawing/2014/main" id="{13F69CB0-6C71-5FA2-86B9-E5A536F9ECD8}"/>
+                <a16:creationId xmlns:a16="http://schemas.microsoft.com/office/drawing/2014/main" id="{CF499FC9-B45F-78C7-292E-8ADCD12B9CEA}"/>
               </a:ext>
             </a:extLst>
           </p:cNvPr>
@@ -488,7 +488,7 @@
           <p:cNvPr id="6" name="灯片编号占位符 5">
             <a:extLst>
               <a:ext uri="{FF2B5EF4-FFF2-40B4-BE49-F238E27FC236}">
-                <a16:creationId xmlns:a16="http://schemas.microsoft.com/office/drawing/2014/main" id="{FA13B8BF-DE80-976B-21CB-9379811085B1}"/>
+                <a16:creationId xmlns:a16="http://schemas.microsoft.com/office/drawing/2014/main" id="{EA72A10D-8CCF-D909-6E2D-833E8FFE19C4}"/>
               </a:ext>
             </a:extLst>
           </p:cNvPr>
@@ -504,7 +504,7 @@
           <a:bodyPr/>
           <a:lstStyle/>
           <a:p>
-            <a:fld id="{C6297DD9-AEC7-4783-AC5F-5D591DD8F1C9}" type="slidenum">
+            <a:fld id="{4D4E93F3-C8D8-4DFD-868C-B18796318157}" type="slidenum">
               <a:rPr lang="zh-CN" altLang="en-US" smtClean="0"/>
               <a:t>‹#›</a:t>
             </a:fld>
@@ -515,7 +515,7 @@
     </p:spTree>
     <p:extLst>
       <p:ext uri="{BB962C8B-B14F-4D97-AF65-F5344CB8AC3E}">
-        <p14:creationId xmlns:p14="http://schemas.microsoft.com/office/powerpoint/2010/main" val="2700714901"/>
+        <p14:creationId xmlns:p14="http://schemas.microsoft.com/office/powerpoint/2010/main" val="560128412"/>
       </p:ext>
     </p:extLst>
   </p:cSld>
@@ -547,7 +547,7 @@
           <p:cNvPr id="2" name="竖排标题 1">
             <a:extLst>
               <a:ext uri="{FF2B5EF4-FFF2-40B4-BE49-F238E27FC236}">
-                <a16:creationId xmlns:a16="http://schemas.microsoft.com/office/drawing/2014/main" id="{2340D052-5201-00B1-430B-AED7A42B4D5B}"/>
+                <a16:creationId xmlns:a16="http://schemas.microsoft.com/office/drawing/2014/main" id="{C03BCD42-2D7F-D1D7-187D-953554E52E7B}"/>
               </a:ext>
             </a:extLst>
           </p:cNvPr>
@@ -580,7 +580,7 @@
           <p:cNvPr id="3" name="竖排文字占位符 2">
             <a:extLst>
               <a:ext uri="{FF2B5EF4-FFF2-40B4-BE49-F238E27FC236}">
-                <a16:creationId xmlns:a16="http://schemas.microsoft.com/office/drawing/2014/main" id="{B8968E14-D04E-26B0-7739-6E7AC66B0A27}"/>
+                <a16:creationId xmlns:a16="http://schemas.microsoft.com/office/drawing/2014/main" id="{A622FAB4-BCD1-CCD5-5CF3-4292CF2C5801}"/>
               </a:ext>
             </a:extLst>
           </p:cNvPr>
@@ -642,7 +642,7 @@
           <p:cNvPr id="4" name="日期占位符 3">
             <a:extLst>
               <a:ext uri="{FF2B5EF4-FFF2-40B4-BE49-F238E27FC236}">
-                <a16:creationId xmlns:a16="http://schemas.microsoft.com/office/drawing/2014/main" id="{0992CEB9-4148-16BC-8FCC-BF7381397DA4}"/>
+                <a16:creationId xmlns:a16="http://schemas.microsoft.com/office/drawing/2014/main" id="{B7F5439B-3FB4-DA96-87C4-C2205198DCFD}"/>
               </a:ext>
             </a:extLst>
           </p:cNvPr>
@@ -658,7 +658,7 @@
           <a:bodyPr/>
           <a:lstStyle/>
           <a:p>
-            <a:fld id="{EFE01AF5-66BE-41D3-B089-5F7E7E2E8ED6}" type="datetimeFigureOut">
+            <a:fld id="{3DC9A820-0347-429E-885F-7C8EB7058D20}" type="datetimeFigureOut">
               <a:rPr lang="zh-CN" altLang="en-US" smtClean="0"/>
               <a:t>2024/3/10</a:t>
             </a:fld>
@@ -671,7 +671,7 @@
           <p:cNvPr id="5" name="页脚占位符 4">
             <a:extLst>
               <a:ext uri="{FF2B5EF4-FFF2-40B4-BE49-F238E27FC236}">
-                <a16:creationId xmlns:a16="http://schemas.microsoft.com/office/drawing/2014/main" id="{BA30DAFD-5BA6-6AD9-2DFF-0276DFE829DE}"/>
+                <a16:creationId xmlns:a16="http://schemas.microsoft.com/office/drawing/2014/main" id="{FA0515D5-25E1-9485-3044-F3BB98EA13C8}"/>
               </a:ext>
             </a:extLst>
           </p:cNvPr>
@@ -696,7 +696,7 @@
           <p:cNvPr id="6" name="灯片编号占位符 5">
             <a:extLst>
               <a:ext uri="{FF2B5EF4-FFF2-40B4-BE49-F238E27FC236}">
-                <a16:creationId xmlns:a16="http://schemas.microsoft.com/office/drawing/2014/main" id="{ED32937F-F055-A31C-418F-1585E45EDFA3}"/>
+                <a16:creationId xmlns:a16="http://schemas.microsoft.com/office/drawing/2014/main" id="{44C8D532-65DB-EB77-8C32-863BC4604380}"/>
               </a:ext>
             </a:extLst>
           </p:cNvPr>
@@ -712,7 +712,7 @@
           <a:bodyPr/>
           <a:lstStyle/>
           <a:p>
-            <a:fld id="{C6297DD9-AEC7-4783-AC5F-5D591DD8F1C9}" type="slidenum">
+            <a:fld id="{4D4E93F3-C8D8-4DFD-868C-B18796318157}" type="slidenum">
               <a:rPr lang="zh-CN" altLang="en-US" smtClean="0"/>
               <a:t>‹#›</a:t>
             </a:fld>
@@ -723,7 +723,7 @@
     </p:spTree>
     <p:extLst>
       <p:ext uri="{BB962C8B-B14F-4D97-AF65-F5344CB8AC3E}">
-        <p14:creationId xmlns:p14="http://schemas.microsoft.com/office/powerpoint/2010/main" val="106598920"/>
+        <p14:creationId xmlns:p14="http://schemas.microsoft.com/office/powerpoint/2010/main" val="2543544602"/>
       </p:ext>
     </p:extLst>
   </p:cSld>
@@ -755,7 +755,7 @@
           <p:cNvPr id="2" name="标题 1">
             <a:extLst>
               <a:ext uri="{FF2B5EF4-FFF2-40B4-BE49-F238E27FC236}">
-                <a16:creationId xmlns:a16="http://schemas.microsoft.com/office/drawing/2014/main" id="{6A356DDB-12EF-6B5F-0CCD-DBE0A1FCEB7F}"/>
+                <a16:creationId xmlns:a16="http://schemas.microsoft.com/office/drawing/2014/main" id="{9E3331CF-80C4-DF2D-8E1B-99830D0DD434}"/>
               </a:ext>
             </a:extLst>
           </p:cNvPr>
@@ -783,7 +783,7 @@
           <p:cNvPr id="3" name="内容占位符 2">
             <a:extLst>
               <a:ext uri="{FF2B5EF4-FFF2-40B4-BE49-F238E27FC236}">
-                <a16:creationId xmlns:a16="http://schemas.microsoft.com/office/drawing/2014/main" id="{84B8B7A1-ED6F-16E3-8A16-490B3CB30170}"/>
+                <a16:creationId xmlns:a16="http://schemas.microsoft.com/office/drawing/2014/main" id="{7E7481BB-1730-41BF-A71C-B1072719D703}"/>
               </a:ext>
             </a:extLst>
           </p:cNvPr>
@@ -840,7 +840,7 @@
           <p:cNvPr id="4" name="日期占位符 3">
             <a:extLst>
               <a:ext uri="{FF2B5EF4-FFF2-40B4-BE49-F238E27FC236}">
-                <a16:creationId xmlns:a16="http://schemas.microsoft.com/office/drawing/2014/main" id="{E88E0D80-1D4C-FA7B-9B01-58F9014196E8}"/>
+                <a16:creationId xmlns:a16="http://schemas.microsoft.com/office/drawing/2014/main" id="{D3F8EB93-DD88-EEF9-1F74-2E53925FF277}"/>
               </a:ext>
             </a:extLst>
           </p:cNvPr>
@@ -856,7 +856,7 @@
           <a:bodyPr/>
           <a:lstStyle/>
           <a:p>
-            <a:fld id="{EFE01AF5-66BE-41D3-B089-5F7E7E2E8ED6}" type="datetimeFigureOut">
+            <a:fld id="{3DC9A820-0347-429E-885F-7C8EB7058D20}" type="datetimeFigureOut">
               <a:rPr lang="zh-CN" altLang="en-US" smtClean="0"/>
               <a:t>2024/3/10</a:t>
             </a:fld>
@@ -869,7 +869,7 @@
           <p:cNvPr id="5" name="页脚占位符 4">
             <a:extLst>
               <a:ext uri="{FF2B5EF4-FFF2-40B4-BE49-F238E27FC236}">
-                <a16:creationId xmlns:a16="http://schemas.microsoft.com/office/drawing/2014/main" id="{1F8C9969-7CBF-4ABE-A2F1-E64DEE6C0FF1}"/>
+                <a16:creationId xmlns:a16="http://schemas.microsoft.com/office/drawing/2014/main" id="{2770A2E7-BA39-4BA5-145D-6590D65F0CAD}"/>
               </a:ext>
             </a:extLst>
           </p:cNvPr>
@@ -894,7 +894,7 @@
           <p:cNvPr id="6" name="灯片编号占位符 5">
             <a:extLst>
               <a:ext uri="{FF2B5EF4-FFF2-40B4-BE49-F238E27FC236}">
-                <a16:creationId xmlns:a16="http://schemas.microsoft.com/office/drawing/2014/main" id="{B5A20DDE-2D26-39BC-AB13-DEE68F18E99A}"/>
+                <a16:creationId xmlns:a16="http://schemas.microsoft.com/office/drawing/2014/main" id="{7DD91F0C-E7BA-4843-0ACB-7C6E960CE050}"/>
               </a:ext>
             </a:extLst>
           </p:cNvPr>
@@ -910,7 +910,7 @@
           <a:bodyPr/>
           <a:lstStyle/>
           <a:p>
-            <a:fld id="{C6297DD9-AEC7-4783-AC5F-5D591DD8F1C9}" type="slidenum">
+            <a:fld id="{4D4E93F3-C8D8-4DFD-868C-B18796318157}" type="slidenum">
               <a:rPr lang="zh-CN" altLang="en-US" smtClean="0"/>
               <a:t>‹#›</a:t>
             </a:fld>
@@ -921,7 +921,7 @@
     </p:spTree>
     <p:extLst>
       <p:ext uri="{BB962C8B-B14F-4D97-AF65-F5344CB8AC3E}">
-        <p14:creationId xmlns:p14="http://schemas.microsoft.com/office/powerpoint/2010/main" val="409484335"/>
+        <p14:creationId xmlns:p14="http://schemas.microsoft.com/office/powerpoint/2010/main" val="3835892549"/>
       </p:ext>
     </p:extLst>
   </p:cSld>
@@ -953,7 +953,7 @@
           <p:cNvPr id="2" name="标题 1">
             <a:extLst>
               <a:ext uri="{FF2B5EF4-FFF2-40B4-BE49-F238E27FC236}">
-                <a16:creationId xmlns:a16="http://schemas.microsoft.com/office/drawing/2014/main" id="{B7E425CF-B20D-606E-7B92-67F339BC15E1}"/>
+                <a16:creationId xmlns:a16="http://schemas.microsoft.com/office/drawing/2014/main" id="{6A73895A-4B1F-B5FE-083F-238AD47FD81F}"/>
               </a:ext>
             </a:extLst>
           </p:cNvPr>
@@ -990,7 +990,7 @@
           <p:cNvPr id="3" name="文本占位符 2">
             <a:extLst>
               <a:ext uri="{FF2B5EF4-FFF2-40B4-BE49-F238E27FC236}">
-                <a16:creationId xmlns:a16="http://schemas.microsoft.com/office/drawing/2014/main" id="{0AB55194-32DA-3549-BB3B-112F282DCF3F}"/>
+                <a16:creationId xmlns:a16="http://schemas.microsoft.com/office/drawing/2014/main" id="{39A11693-8F84-E967-F53A-B9B9E20B0D61}"/>
               </a:ext>
             </a:extLst>
           </p:cNvPr>
@@ -1115,7 +1115,7 @@
           <p:cNvPr id="4" name="日期占位符 3">
             <a:extLst>
               <a:ext uri="{FF2B5EF4-FFF2-40B4-BE49-F238E27FC236}">
-                <a16:creationId xmlns:a16="http://schemas.microsoft.com/office/drawing/2014/main" id="{9DC4025D-CEA8-C882-0E16-E81206F9286A}"/>
+                <a16:creationId xmlns:a16="http://schemas.microsoft.com/office/drawing/2014/main" id="{969EEEBC-7BF4-D69E-BF07-897FDD7B3B33}"/>
               </a:ext>
             </a:extLst>
           </p:cNvPr>
@@ -1131,7 +1131,7 @@
           <a:bodyPr/>
           <a:lstStyle/>
           <a:p>
-            <a:fld id="{EFE01AF5-66BE-41D3-B089-5F7E7E2E8ED6}" type="datetimeFigureOut">
+            <a:fld id="{3DC9A820-0347-429E-885F-7C8EB7058D20}" type="datetimeFigureOut">
               <a:rPr lang="zh-CN" altLang="en-US" smtClean="0"/>
               <a:t>2024/3/10</a:t>
             </a:fld>
@@ -1144,7 +1144,7 @@
           <p:cNvPr id="5" name="页脚占位符 4">
             <a:extLst>
               <a:ext uri="{FF2B5EF4-FFF2-40B4-BE49-F238E27FC236}">
-                <a16:creationId xmlns:a16="http://schemas.microsoft.com/office/drawing/2014/main" id="{F69A962B-E917-FCAF-96B0-2CBFCEA2D447}"/>
+                <a16:creationId xmlns:a16="http://schemas.microsoft.com/office/drawing/2014/main" id="{9B4B76B9-131D-F0BA-90ED-49A0A813F456}"/>
               </a:ext>
             </a:extLst>
           </p:cNvPr>
@@ -1169,7 +1169,7 @@
           <p:cNvPr id="6" name="灯片编号占位符 5">
             <a:extLst>
               <a:ext uri="{FF2B5EF4-FFF2-40B4-BE49-F238E27FC236}">
-                <a16:creationId xmlns:a16="http://schemas.microsoft.com/office/drawing/2014/main" id="{58F0E970-6696-6C82-46AB-07F4CCFA2767}"/>
+                <a16:creationId xmlns:a16="http://schemas.microsoft.com/office/drawing/2014/main" id="{9A028C91-8655-4D74-1A12-27AB2296753C}"/>
               </a:ext>
             </a:extLst>
           </p:cNvPr>
@@ -1185,7 +1185,7 @@
           <a:bodyPr/>
           <a:lstStyle/>
           <a:p>
-            <a:fld id="{C6297DD9-AEC7-4783-AC5F-5D591DD8F1C9}" type="slidenum">
+            <a:fld id="{4D4E93F3-C8D8-4DFD-868C-B18796318157}" type="slidenum">
               <a:rPr lang="zh-CN" altLang="en-US" smtClean="0"/>
               <a:t>‹#›</a:t>
             </a:fld>
@@ -1196,7 +1196,7 @@
     </p:spTree>
     <p:extLst>
       <p:ext uri="{BB962C8B-B14F-4D97-AF65-F5344CB8AC3E}">
-        <p14:creationId xmlns:p14="http://schemas.microsoft.com/office/powerpoint/2010/main" val="2096680053"/>
+        <p14:creationId xmlns:p14="http://schemas.microsoft.com/office/powerpoint/2010/main" val="3233324870"/>
       </p:ext>
     </p:extLst>
   </p:cSld>
@@ -1228,7 +1228,7 @@
           <p:cNvPr id="2" name="标题 1">
             <a:extLst>
               <a:ext uri="{FF2B5EF4-FFF2-40B4-BE49-F238E27FC236}">
-                <a16:creationId xmlns:a16="http://schemas.microsoft.com/office/drawing/2014/main" id="{97C40B35-6EA2-ABFB-A049-E18AB5EBF0EE}"/>
+                <a16:creationId xmlns:a16="http://schemas.microsoft.com/office/drawing/2014/main" id="{0100F234-B526-07BB-CDFD-E3781D16E721}"/>
               </a:ext>
             </a:extLst>
           </p:cNvPr>
@@ -1256,7 +1256,7 @@
           <p:cNvPr id="3" name="内容占位符 2">
             <a:extLst>
               <a:ext uri="{FF2B5EF4-FFF2-40B4-BE49-F238E27FC236}">
-                <a16:creationId xmlns:a16="http://schemas.microsoft.com/office/drawing/2014/main" id="{3D7497E7-3885-BAAA-6147-45773636C282}"/>
+                <a16:creationId xmlns:a16="http://schemas.microsoft.com/office/drawing/2014/main" id="{1431E09A-7EE0-8279-6E30-80E6E8F7E5D5}"/>
               </a:ext>
             </a:extLst>
           </p:cNvPr>
@@ -1318,7 +1318,7 @@
           <p:cNvPr id="4" name="内容占位符 3">
             <a:extLst>
               <a:ext uri="{FF2B5EF4-FFF2-40B4-BE49-F238E27FC236}">
-                <a16:creationId xmlns:a16="http://schemas.microsoft.com/office/drawing/2014/main" id="{55CC08E8-1DCD-E6D6-6CB5-ACE17E723945}"/>
+                <a16:creationId xmlns:a16="http://schemas.microsoft.com/office/drawing/2014/main" id="{95763829-AE9A-B8CC-9FEC-BA35E194F556}"/>
               </a:ext>
             </a:extLst>
           </p:cNvPr>
@@ -1380,7 +1380,7 @@
           <p:cNvPr id="5" name="日期占位符 4">
             <a:extLst>
               <a:ext uri="{FF2B5EF4-FFF2-40B4-BE49-F238E27FC236}">
-                <a16:creationId xmlns:a16="http://schemas.microsoft.com/office/drawing/2014/main" id="{3D152E2F-C299-66E6-CA88-770D306136FA}"/>
+                <a16:creationId xmlns:a16="http://schemas.microsoft.com/office/drawing/2014/main" id="{7B096E59-57BE-6821-C2FD-BF2DA0FBD9CA}"/>
               </a:ext>
             </a:extLst>
           </p:cNvPr>
@@ -1396,7 +1396,7 @@
           <a:bodyPr/>
           <a:lstStyle/>
           <a:p>
-            <a:fld id="{EFE01AF5-66BE-41D3-B089-5F7E7E2E8ED6}" type="datetimeFigureOut">
+            <a:fld id="{3DC9A820-0347-429E-885F-7C8EB7058D20}" type="datetimeFigureOut">
               <a:rPr lang="zh-CN" altLang="en-US" smtClean="0"/>
               <a:t>2024/3/10</a:t>
             </a:fld>
@@ -1409,7 +1409,7 @@
           <p:cNvPr id="6" name="页脚占位符 5">
             <a:extLst>
               <a:ext uri="{FF2B5EF4-FFF2-40B4-BE49-F238E27FC236}">
-                <a16:creationId xmlns:a16="http://schemas.microsoft.com/office/drawing/2014/main" id="{F4E4989F-9D05-66D3-3C1D-BE6330B5499B}"/>
+                <a16:creationId xmlns:a16="http://schemas.microsoft.com/office/drawing/2014/main" id="{C4BD8FD3-DE1B-589F-51BA-4873709458D1}"/>
               </a:ext>
             </a:extLst>
           </p:cNvPr>
@@ -1434,7 +1434,7 @@
           <p:cNvPr id="7" name="灯片编号占位符 6">
             <a:extLst>
               <a:ext uri="{FF2B5EF4-FFF2-40B4-BE49-F238E27FC236}">
-                <a16:creationId xmlns:a16="http://schemas.microsoft.com/office/drawing/2014/main" id="{D2D7BB7D-2126-7D6A-349D-CEFFB71AB107}"/>
+                <a16:creationId xmlns:a16="http://schemas.microsoft.com/office/drawing/2014/main" id="{926CDA0A-E9C6-1599-2DCD-B7AEF5B01D2A}"/>
               </a:ext>
             </a:extLst>
           </p:cNvPr>
@@ -1450,7 +1450,7 @@
           <a:bodyPr/>
           <a:lstStyle/>
           <a:p>
-            <a:fld id="{C6297DD9-AEC7-4783-AC5F-5D591DD8F1C9}" type="slidenum">
+            <a:fld id="{4D4E93F3-C8D8-4DFD-868C-B18796318157}" type="slidenum">
               <a:rPr lang="zh-CN" altLang="en-US" smtClean="0"/>
               <a:t>‹#›</a:t>
             </a:fld>
@@ -1461,7 +1461,7 @@
     </p:spTree>
     <p:extLst>
       <p:ext uri="{BB962C8B-B14F-4D97-AF65-F5344CB8AC3E}">
-        <p14:creationId xmlns:p14="http://schemas.microsoft.com/office/powerpoint/2010/main" val="2024867508"/>
+        <p14:creationId xmlns:p14="http://schemas.microsoft.com/office/powerpoint/2010/main" val="799653860"/>
       </p:ext>
     </p:extLst>
   </p:cSld>
@@ -1493,7 +1493,7 @@
           <p:cNvPr id="2" name="标题 1">
             <a:extLst>
               <a:ext uri="{FF2B5EF4-FFF2-40B4-BE49-F238E27FC236}">
-                <a16:creationId xmlns:a16="http://schemas.microsoft.com/office/drawing/2014/main" id="{91433474-84C6-1B50-161B-450FEFE7B57A}"/>
+                <a16:creationId xmlns:a16="http://schemas.microsoft.com/office/drawing/2014/main" id="{67D6BD6C-8CF1-472E-4324-CA1CF160D6F0}"/>
               </a:ext>
             </a:extLst>
           </p:cNvPr>
@@ -1526,7 +1526,7 @@
           <p:cNvPr id="3" name="文本占位符 2">
             <a:extLst>
               <a:ext uri="{FF2B5EF4-FFF2-40B4-BE49-F238E27FC236}">
-                <a16:creationId xmlns:a16="http://schemas.microsoft.com/office/drawing/2014/main" id="{344058ED-57E1-3F6F-93F5-6D66CCABB6A3}"/>
+                <a16:creationId xmlns:a16="http://schemas.microsoft.com/office/drawing/2014/main" id="{A000516E-2070-8F98-745F-4E99172406E2}"/>
               </a:ext>
             </a:extLst>
           </p:cNvPr>
@@ -1597,7 +1597,7 @@
           <p:cNvPr id="4" name="内容占位符 3">
             <a:extLst>
               <a:ext uri="{FF2B5EF4-FFF2-40B4-BE49-F238E27FC236}">
-                <a16:creationId xmlns:a16="http://schemas.microsoft.com/office/drawing/2014/main" id="{7CB8513F-BE0B-7299-CFEE-CF036B5BD89A}"/>
+                <a16:creationId xmlns:a16="http://schemas.microsoft.com/office/drawing/2014/main" id="{B6512585-E113-FED2-B170-75A66F37B1B6}"/>
               </a:ext>
             </a:extLst>
           </p:cNvPr>
@@ -1659,7 +1659,7 @@
           <p:cNvPr id="5" name="文本占位符 4">
             <a:extLst>
               <a:ext uri="{FF2B5EF4-FFF2-40B4-BE49-F238E27FC236}">
-                <a16:creationId xmlns:a16="http://schemas.microsoft.com/office/drawing/2014/main" id="{49B04D7E-C009-E795-57E3-2F6E14E8BA4F}"/>
+                <a16:creationId xmlns:a16="http://schemas.microsoft.com/office/drawing/2014/main" id="{7B03929D-F20F-3B7F-FD3C-448DDA07FA7D}"/>
               </a:ext>
             </a:extLst>
           </p:cNvPr>
@@ -1730,7 +1730,7 @@
           <p:cNvPr id="6" name="内容占位符 5">
             <a:extLst>
               <a:ext uri="{FF2B5EF4-FFF2-40B4-BE49-F238E27FC236}">
-                <a16:creationId xmlns:a16="http://schemas.microsoft.com/office/drawing/2014/main" id="{1C7EB7F0-9409-366F-A95F-7D61761D05FF}"/>
+                <a16:creationId xmlns:a16="http://schemas.microsoft.com/office/drawing/2014/main" id="{00241C95-AFFE-CB07-8ECB-DE6EC761638F}"/>
               </a:ext>
             </a:extLst>
           </p:cNvPr>
@@ -1792,7 +1792,7 @@
           <p:cNvPr id="7" name="日期占位符 6">
             <a:extLst>
               <a:ext uri="{FF2B5EF4-FFF2-40B4-BE49-F238E27FC236}">
-                <a16:creationId xmlns:a16="http://schemas.microsoft.com/office/drawing/2014/main" id="{031ECAFE-DAC8-CFEF-275A-6C9724DF4720}"/>
+                <a16:creationId xmlns:a16="http://schemas.microsoft.com/office/drawing/2014/main" id="{35C33474-7881-8D0F-B3AA-506A202DB54B}"/>
               </a:ext>
             </a:extLst>
           </p:cNvPr>
@@ -1808,7 +1808,7 @@
           <a:bodyPr/>
           <a:lstStyle/>
           <a:p>
-            <a:fld id="{EFE01AF5-66BE-41D3-B089-5F7E7E2E8ED6}" type="datetimeFigureOut">
+            <a:fld id="{3DC9A820-0347-429E-885F-7C8EB7058D20}" type="datetimeFigureOut">
               <a:rPr lang="zh-CN" altLang="en-US" smtClean="0"/>
               <a:t>2024/3/10</a:t>
             </a:fld>
@@ -1821,7 +1821,7 @@
           <p:cNvPr id="8" name="页脚占位符 7">
             <a:extLst>
               <a:ext uri="{FF2B5EF4-FFF2-40B4-BE49-F238E27FC236}">
-                <a16:creationId xmlns:a16="http://schemas.microsoft.com/office/drawing/2014/main" id="{0919421A-922E-8810-878A-F339505C5E9B}"/>
+                <a16:creationId xmlns:a16="http://schemas.microsoft.com/office/drawing/2014/main" id="{4F897E78-AFC7-282F-E59E-50373F0AC4C1}"/>
               </a:ext>
             </a:extLst>
           </p:cNvPr>
@@ -1846,7 +1846,7 @@
           <p:cNvPr id="9" name="灯片编号占位符 8">
             <a:extLst>
               <a:ext uri="{FF2B5EF4-FFF2-40B4-BE49-F238E27FC236}">
-                <a16:creationId xmlns:a16="http://schemas.microsoft.com/office/drawing/2014/main" id="{020C3DA5-028D-EEAC-310F-85BE284F24C3}"/>
+                <a16:creationId xmlns:a16="http://schemas.microsoft.com/office/drawing/2014/main" id="{28D26AC7-88BC-0DB6-64E9-39670382A4CB}"/>
               </a:ext>
             </a:extLst>
           </p:cNvPr>
@@ -1862,7 +1862,7 @@
           <a:bodyPr/>
           <a:lstStyle/>
           <a:p>
-            <a:fld id="{C6297DD9-AEC7-4783-AC5F-5D591DD8F1C9}" type="slidenum">
+            <a:fld id="{4D4E93F3-C8D8-4DFD-868C-B18796318157}" type="slidenum">
               <a:rPr lang="zh-CN" altLang="en-US" smtClean="0"/>
               <a:t>‹#›</a:t>
             </a:fld>
@@ -1873,7 +1873,7 @@
     </p:spTree>
     <p:extLst>
       <p:ext uri="{BB962C8B-B14F-4D97-AF65-F5344CB8AC3E}">
-        <p14:creationId xmlns:p14="http://schemas.microsoft.com/office/powerpoint/2010/main" val="3337433075"/>
+        <p14:creationId xmlns:p14="http://schemas.microsoft.com/office/powerpoint/2010/main" val="1143619569"/>
       </p:ext>
     </p:extLst>
   </p:cSld>
@@ -1905,7 +1905,7 @@
           <p:cNvPr id="2" name="标题 1">
             <a:extLst>
               <a:ext uri="{FF2B5EF4-FFF2-40B4-BE49-F238E27FC236}">
-                <a16:creationId xmlns:a16="http://schemas.microsoft.com/office/drawing/2014/main" id="{4C6EA378-6886-BCB9-17FD-C804D97E04E9}"/>
+                <a16:creationId xmlns:a16="http://schemas.microsoft.com/office/drawing/2014/main" id="{D5546057-469C-EF07-1FFA-DE474935B464}"/>
               </a:ext>
             </a:extLst>
           </p:cNvPr>
@@ -1933,7 +1933,7 @@
           <p:cNvPr id="3" name="日期占位符 2">
             <a:extLst>
               <a:ext uri="{FF2B5EF4-FFF2-40B4-BE49-F238E27FC236}">
-                <a16:creationId xmlns:a16="http://schemas.microsoft.com/office/drawing/2014/main" id="{62E481D8-2FBF-A008-2D4C-31B8B4D41420}"/>
+                <a16:creationId xmlns:a16="http://schemas.microsoft.com/office/drawing/2014/main" id="{E181EEA7-3B65-BC39-EB45-C4ADC6412EFF}"/>
               </a:ext>
             </a:extLst>
           </p:cNvPr>
@@ -1949,7 +1949,7 @@
           <a:bodyPr/>
           <a:lstStyle/>
           <a:p>
-            <a:fld id="{EFE01AF5-66BE-41D3-B089-5F7E7E2E8ED6}" type="datetimeFigureOut">
+            <a:fld id="{3DC9A820-0347-429E-885F-7C8EB7058D20}" type="datetimeFigureOut">
               <a:rPr lang="zh-CN" altLang="en-US" smtClean="0"/>
               <a:t>2024/3/10</a:t>
             </a:fld>
@@ -1962,7 +1962,7 @@
           <p:cNvPr id="4" name="页脚占位符 3">
             <a:extLst>
               <a:ext uri="{FF2B5EF4-FFF2-40B4-BE49-F238E27FC236}">
-                <a16:creationId xmlns:a16="http://schemas.microsoft.com/office/drawing/2014/main" id="{947C0450-C694-0BDA-683A-5ED3CC30955B}"/>
+                <a16:creationId xmlns:a16="http://schemas.microsoft.com/office/drawing/2014/main" id="{C978D142-0AB5-5A6D-FB42-5CA1B65B79FE}"/>
               </a:ext>
             </a:extLst>
           </p:cNvPr>
@@ -1987,7 +1987,7 @@
           <p:cNvPr id="5" name="灯片编号占位符 4">
             <a:extLst>
               <a:ext uri="{FF2B5EF4-FFF2-40B4-BE49-F238E27FC236}">
-                <a16:creationId xmlns:a16="http://schemas.microsoft.com/office/drawing/2014/main" id="{24D1463E-0656-BF78-51C7-DC9845A46503}"/>
+                <a16:creationId xmlns:a16="http://schemas.microsoft.com/office/drawing/2014/main" id="{B55D7F82-95BC-B689-BC81-5FE409A82196}"/>
               </a:ext>
             </a:extLst>
           </p:cNvPr>
@@ -2003,7 +2003,7 @@
           <a:bodyPr/>
           <a:lstStyle/>
           <a:p>
-            <a:fld id="{C6297DD9-AEC7-4783-AC5F-5D591DD8F1C9}" type="slidenum">
+            <a:fld id="{4D4E93F3-C8D8-4DFD-868C-B18796318157}" type="slidenum">
               <a:rPr lang="zh-CN" altLang="en-US" smtClean="0"/>
               <a:t>‹#›</a:t>
             </a:fld>
@@ -2014,7 +2014,7 @@
     </p:spTree>
     <p:extLst>
       <p:ext uri="{BB962C8B-B14F-4D97-AF65-F5344CB8AC3E}">
-        <p14:creationId xmlns:p14="http://schemas.microsoft.com/office/powerpoint/2010/main" val="3357836733"/>
+        <p14:creationId xmlns:p14="http://schemas.microsoft.com/office/powerpoint/2010/main" val="815646593"/>
       </p:ext>
     </p:extLst>
   </p:cSld>
@@ -2046,7 +2046,7 @@
           <p:cNvPr id="2" name="日期占位符 1">
             <a:extLst>
               <a:ext uri="{FF2B5EF4-FFF2-40B4-BE49-F238E27FC236}">
-                <a16:creationId xmlns:a16="http://schemas.microsoft.com/office/drawing/2014/main" id="{B341FC19-3A88-019E-2F85-8FB67522F568}"/>
+                <a16:creationId xmlns:a16="http://schemas.microsoft.com/office/drawing/2014/main" id="{A043EE87-9BF5-4B02-CAE9-4BA82BF58188}"/>
               </a:ext>
             </a:extLst>
           </p:cNvPr>
@@ -2062,7 +2062,7 @@
           <a:bodyPr/>
           <a:lstStyle/>
           <a:p>
-            <a:fld id="{EFE01AF5-66BE-41D3-B089-5F7E7E2E8ED6}" type="datetimeFigureOut">
+            <a:fld id="{3DC9A820-0347-429E-885F-7C8EB7058D20}" type="datetimeFigureOut">
               <a:rPr lang="zh-CN" altLang="en-US" smtClean="0"/>
               <a:t>2024/3/10</a:t>
             </a:fld>
@@ -2075,7 +2075,7 @@
           <p:cNvPr id="3" name="页脚占位符 2">
             <a:extLst>
               <a:ext uri="{FF2B5EF4-FFF2-40B4-BE49-F238E27FC236}">
-                <a16:creationId xmlns:a16="http://schemas.microsoft.com/office/drawing/2014/main" id="{C00A082F-C94B-6737-6B27-8D6B5D59F857}"/>
+                <a16:creationId xmlns:a16="http://schemas.microsoft.com/office/drawing/2014/main" id="{81E84288-D400-1220-32C4-01D2A20DFB23}"/>
               </a:ext>
             </a:extLst>
           </p:cNvPr>
@@ -2100,7 +2100,7 @@
           <p:cNvPr id="4" name="灯片编号占位符 3">
             <a:extLst>
               <a:ext uri="{FF2B5EF4-FFF2-40B4-BE49-F238E27FC236}">
-                <a16:creationId xmlns:a16="http://schemas.microsoft.com/office/drawing/2014/main" id="{317FBF04-2867-CAA0-C6F1-2323CCC0F5C1}"/>
+                <a16:creationId xmlns:a16="http://schemas.microsoft.com/office/drawing/2014/main" id="{A2D42601-1438-573D-866E-EE3DDE9FEEC3}"/>
               </a:ext>
             </a:extLst>
           </p:cNvPr>
@@ -2116,7 +2116,7 @@
           <a:bodyPr/>
           <a:lstStyle/>
           <a:p>
-            <a:fld id="{C6297DD9-AEC7-4783-AC5F-5D591DD8F1C9}" type="slidenum">
+            <a:fld id="{4D4E93F3-C8D8-4DFD-868C-B18796318157}" type="slidenum">
               <a:rPr lang="zh-CN" altLang="en-US" smtClean="0"/>
               <a:t>‹#›</a:t>
             </a:fld>
@@ -2127,7 +2127,7 @@
     </p:spTree>
     <p:extLst>
       <p:ext uri="{BB962C8B-B14F-4D97-AF65-F5344CB8AC3E}">
-        <p14:creationId xmlns:p14="http://schemas.microsoft.com/office/powerpoint/2010/main" val="2738064031"/>
+        <p14:creationId xmlns:p14="http://schemas.microsoft.com/office/powerpoint/2010/main" val="2070155092"/>
       </p:ext>
     </p:extLst>
   </p:cSld>
@@ -2159,7 +2159,7 @@
           <p:cNvPr id="2" name="标题 1">
             <a:extLst>
               <a:ext uri="{FF2B5EF4-FFF2-40B4-BE49-F238E27FC236}">
-                <a16:creationId xmlns:a16="http://schemas.microsoft.com/office/drawing/2014/main" id="{78496E57-DBD9-A5E4-E838-84AD99797782}"/>
+                <a16:creationId xmlns:a16="http://schemas.microsoft.com/office/drawing/2014/main" id="{5F26BE1E-0B0B-668C-C9D4-6E4E8A8CC268}"/>
               </a:ext>
             </a:extLst>
           </p:cNvPr>
@@ -2196,7 +2196,7 @@
           <p:cNvPr id="3" name="内容占位符 2">
             <a:extLst>
               <a:ext uri="{FF2B5EF4-FFF2-40B4-BE49-F238E27FC236}">
-                <a16:creationId xmlns:a16="http://schemas.microsoft.com/office/drawing/2014/main" id="{F19923A2-54ED-EF61-F6FE-C5F94E6665F3}"/>
+                <a16:creationId xmlns:a16="http://schemas.microsoft.com/office/drawing/2014/main" id="{9B5D70F7-497B-0BD0-C595-115E60C56DA9}"/>
               </a:ext>
             </a:extLst>
           </p:cNvPr>
@@ -2286,7 +2286,7 @@
           <p:cNvPr id="4" name="文本占位符 3">
             <a:extLst>
               <a:ext uri="{FF2B5EF4-FFF2-40B4-BE49-F238E27FC236}">
-                <a16:creationId xmlns:a16="http://schemas.microsoft.com/office/drawing/2014/main" id="{FF885477-CAB3-06AE-5F3D-AD3DE1FDFE2F}"/>
+                <a16:creationId xmlns:a16="http://schemas.microsoft.com/office/drawing/2014/main" id="{C2244F1A-FE47-7C70-9482-34572CE89829}"/>
               </a:ext>
             </a:extLst>
           </p:cNvPr>
@@ -2357,7 +2357,7 @@
           <p:cNvPr id="5" name="日期占位符 4">
             <a:extLst>
               <a:ext uri="{FF2B5EF4-FFF2-40B4-BE49-F238E27FC236}">
-                <a16:creationId xmlns:a16="http://schemas.microsoft.com/office/drawing/2014/main" id="{7D28F341-B94B-C40C-C7EC-467837E62676}"/>
+                <a16:creationId xmlns:a16="http://schemas.microsoft.com/office/drawing/2014/main" id="{29ECBF8E-330B-A800-5BD0-DEF83ABD9026}"/>
               </a:ext>
             </a:extLst>
           </p:cNvPr>
@@ -2373,7 +2373,7 @@
           <a:bodyPr/>
           <a:lstStyle/>
           <a:p>
-            <a:fld id="{EFE01AF5-66BE-41D3-B089-5F7E7E2E8ED6}" type="datetimeFigureOut">
+            <a:fld id="{3DC9A820-0347-429E-885F-7C8EB7058D20}" type="datetimeFigureOut">
               <a:rPr lang="zh-CN" altLang="en-US" smtClean="0"/>
               <a:t>2024/3/10</a:t>
             </a:fld>
@@ -2386,7 +2386,7 @@
           <p:cNvPr id="6" name="页脚占位符 5">
             <a:extLst>
               <a:ext uri="{FF2B5EF4-FFF2-40B4-BE49-F238E27FC236}">
-                <a16:creationId xmlns:a16="http://schemas.microsoft.com/office/drawing/2014/main" id="{BE9DB63C-26EB-9AA7-EF1F-84732F315E3F}"/>
+                <a16:creationId xmlns:a16="http://schemas.microsoft.com/office/drawing/2014/main" id="{F6FEBF9B-B2A3-FE39-FB0C-21D89B307300}"/>
               </a:ext>
             </a:extLst>
           </p:cNvPr>
@@ -2411,7 +2411,7 @@
           <p:cNvPr id="7" name="灯片编号占位符 6">
             <a:extLst>
               <a:ext uri="{FF2B5EF4-FFF2-40B4-BE49-F238E27FC236}">
-                <a16:creationId xmlns:a16="http://schemas.microsoft.com/office/drawing/2014/main" id="{5DD390CA-423B-144B-6B65-7501EBBC9D29}"/>
+                <a16:creationId xmlns:a16="http://schemas.microsoft.com/office/drawing/2014/main" id="{E4DD0FBA-5E28-68A8-1168-FEDD70B4B8F1}"/>
               </a:ext>
             </a:extLst>
           </p:cNvPr>
@@ -2427,7 +2427,7 @@
           <a:bodyPr/>
           <a:lstStyle/>
           <a:p>
-            <a:fld id="{C6297DD9-AEC7-4783-AC5F-5D591DD8F1C9}" type="slidenum">
+            <a:fld id="{4D4E93F3-C8D8-4DFD-868C-B18796318157}" type="slidenum">
               <a:rPr lang="zh-CN" altLang="en-US" smtClean="0"/>
               <a:t>‹#›</a:t>
             </a:fld>
@@ -2438,7 +2438,7 @@
     </p:spTree>
     <p:extLst>
       <p:ext uri="{BB962C8B-B14F-4D97-AF65-F5344CB8AC3E}">
-        <p14:creationId xmlns:p14="http://schemas.microsoft.com/office/powerpoint/2010/main" val="3083370737"/>
+        <p14:creationId xmlns:p14="http://schemas.microsoft.com/office/powerpoint/2010/main" val="2199187904"/>
       </p:ext>
     </p:extLst>
   </p:cSld>
@@ -2470,7 +2470,7 @@
           <p:cNvPr id="2" name="标题 1">
             <a:extLst>
               <a:ext uri="{FF2B5EF4-FFF2-40B4-BE49-F238E27FC236}">
-                <a16:creationId xmlns:a16="http://schemas.microsoft.com/office/drawing/2014/main" id="{CEF8C7CA-C37E-0A4C-1E96-332E6BC5F46F}"/>
+                <a16:creationId xmlns:a16="http://schemas.microsoft.com/office/drawing/2014/main" id="{403C0A5B-2830-921C-1D63-8F6BC3ECA613}"/>
               </a:ext>
             </a:extLst>
           </p:cNvPr>
@@ -2507,7 +2507,7 @@
           <p:cNvPr id="3" name="图片占位符 2">
             <a:extLst>
               <a:ext uri="{FF2B5EF4-FFF2-40B4-BE49-F238E27FC236}">
-                <a16:creationId xmlns:a16="http://schemas.microsoft.com/office/drawing/2014/main" id="{13B14CFD-9409-CD87-80DD-E03303DE7F2E}"/>
+                <a16:creationId xmlns:a16="http://schemas.microsoft.com/office/drawing/2014/main" id="{FB1458F7-E7F3-D10C-5E4E-F8D1BA3A2BD2}"/>
               </a:ext>
             </a:extLst>
           </p:cNvPr>
@@ -2574,7 +2574,7 @@
           <p:cNvPr id="4" name="文本占位符 3">
             <a:extLst>
               <a:ext uri="{FF2B5EF4-FFF2-40B4-BE49-F238E27FC236}">
-                <a16:creationId xmlns:a16="http://schemas.microsoft.com/office/drawing/2014/main" id="{7BF2D3A0-0061-B844-4870-A6FA2F9F2A54}"/>
+                <a16:creationId xmlns:a16="http://schemas.microsoft.com/office/drawing/2014/main" id="{31CC85D2-2A8C-D304-C84C-77171FA0F802}"/>
               </a:ext>
             </a:extLst>
           </p:cNvPr>
@@ -2645,7 +2645,7 @@
           <p:cNvPr id="5" name="日期占位符 4">
             <a:extLst>
               <a:ext uri="{FF2B5EF4-FFF2-40B4-BE49-F238E27FC236}">
-                <a16:creationId xmlns:a16="http://schemas.microsoft.com/office/drawing/2014/main" id="{871B0136-1FB3-7CC2-B583-670EF874930A}"/>
+                <a16:creationId xmlns:a16="http://schemas.microsoft.com/office/drawing/2014/main" id="{24D7E7EB-E2F7-E884-8D97-45B714C622DA}"/>
               </a:ext>
             </a:extLst>
           </p:cNvPr>
@@ -2661,7 +2661,7 @@
           <a:bodyPr/>
           <a:lstStyle/>
           <a:p>
-            <a:fld id="{EFE01AF5-66BE-41D3-B089-5F7E7E2E8ED6}" type="datetimeFigureOut">
+            <a:fld id="{3DC9A820-0347-429E-885F-7C8EB7058D20}" type="datetimeFigureOut">
               <a:rPr lang="zh-CN" altLang="en-US" smtClean="0"/>
               <a:t>2024/3/10</a:t>
             </a:fld>
@@ -2674,7 +2674,7 @@
           <p:cNvPr id="6" name="页脚占位符 5">
             <a:extLst>
               <a:ext uri="{FF2B5EF4-FFF2-40B4-BE49-F238E27FC236}">
-                <a16:creationId xmlns:a16="http://schemas.microsoft.com/office/drawing/2014/main" id="{26B46DF2-3B70-908D-B96F-77C4F25FA1E2}"/>
+                <a16:creationId xmlns:a16="http://schemas.microsoft.com/office/drawing/2014/main" id="{96C091BA-C8B1-932A-6B84-E465E691019E}"/>
               </a:ext>
             </a:extLst>
           </p:cNvPr>
@@ -2699,7 +2699,7 @@
           <p:cNvPr id="7" name="灯片编号占位符 6">
             <a:extLst>
               <a:ext uri="{FF2B5EF4-FFF2-40B4-BE49-F238E27FC236}">
-                <a16:creationId xmlns:a16="http://schemas.microsoft.com/office/drawing/2014/main" id="{924A0200-FCA2-71BD-00F0-22EC2F3F0D5C}"/>
+                <a16:creationId xmlns:a16="http://schemas.microsoft.com/office/drawing/2014/main" id="{957F6C00-DCC4-7067-391C-CF0C3883A6A4}"/>
               </a:ext>
             </a:extLst>
           </p:cNvPr>
@@ -2715,7 +2715,7 @@
           <a:bodyPr/>
           <a:lstStyle/>
           <a:p>
-            <a:fld id="{C6297DD9-AEC7-4783-AC5F-5D591DD8F1C9}" type="slidenum">
+            <a:fld id="{4D4E93F3-C8D8-4DFD-868C-B18796318157}" type="slidenum">
               <a:rPr lang="zh-CN" altLang="en-US" smtClean="0"/>
               <a:t>‹#›</a:t>
             </a:fld>
@@ -2726,7 +2726,7 @@
     </p:spTree>
     <p:extLst>
       <p:ext uri="{BB962C8B-B14F-4D97-AF65-F5344CB8AC3E}">
-        <p14:creationId xmlns:p14="http://schemas.microsoft.com/office/powerpoint/2010/main" val="3592564050"/>
+        <p14:creationId xmlns:p14="http://schemas.microsoft.com/office/powerpoint/2010/main" val="3718723928"/>
       </p:ext>
     </p:extLst>
   </p:cSld>
@@ -2763,7 +2763,7 @@
           <p:cNvPr id="2" name="标题占位符 1">
             <a:extLst>
               <a:ext uri="{FF2B5EF4-FFF2-40B4-BE49-F238E27FC236}">
-                <a16:creationId xmlns:a16="http://schemas.microsoft.com/office/drawing/2014/main" id="{0AB57BCC-F49C-C0F5-D6A8-89191C095571}"/>
+                <a16:creationId xmlns:a16="http://schemas.microsoft.com/office/drawing/2014/main" id="{A07558BD-DE37-3AFF-F02B-AAD7F57DD27F}"/>
               </a:ext>
             </a:extLst>
           </p:cNvPr>
@@ -2801,7 +2801,7 @@
           <p:cNvPr id="3" name="文本占位符 2">
             <a:extLst>
               <a:ext uri="{FF2B5EF4-FFF2-40B4-BE49-F238E27FC236}">
-                <a16:creationId xmlns:a16="http://schemas.microsoft.com/office/drawing/2014/main" id="{33375F45-BB03-A6AA-74F7-BD5DB75EBF9C}"/>
+                <a16:creationId xmlns:a16="http://schemas.microsoft.com/office/drawing/2014/main" id="{E33F345E-B325-6DCE-4153-026C75257E9D}"/>
               </a:ext>
             </a:extLst>
           </p:cNvPr>
@@ -2868,7 +2868,7 @@
           <p:cNvPr id="4" name="日期占位符 3">
             <a:extLst>
               <a:ext uri="{FF2B5EF4-FFF2-40B4-BE49-F238E27FC236}">
-                <a16:creationId xmlns:a16="http://schemas.microsoft.com/office/drawing/2014/main" id="{D7DFDC56-FE67-603A-325B-8460766AF5C2}"/>
+                <a16:creationId xmlns:a16="http://schemas.microsoft.com/office/drawing/2014/main" id="{7242D9CF-6E33-E3CE-BD8C-8D6086022CA2}"/>
               </a:ext>
             </a:extLst>
           </p:cNvPr>
@@ -2902,7 +2902,7 @@
             </a:lvl1pPr>
           </a:lstStyle>
           <a:p>
-            <a:fld id="{EFE01AF5-66BE-41D3-B089-5F7E7E2E8ED6}" type="datetimeFigureOut">
+            <a:fld id="{3DC9A820-0347-429E-885F-7C8EB7058D20}" type="datetimeFigureOut">
               <a:rPr lang="zh-CN" altLang="en-US" smtClean="0"/>
               <a:t>2024/3/10</a:t>
             </a:fld>
@@ -2915,7 +2915,7 @@
           <p:cNvPr id="5" name="页脚占位符 4">
             <a:extLst>
               <a:ext uri="{FF2B5EF4-FFF2-40B4-BE49-F238E27FC236}">
-                <a16:creationId xmlns:a16="http://schemas.microsoft.com/office/drawing/2014/main" id="{5B9F2DC6-82D4-E523-F51F-C81F0C884794}"/>
+                <a16:creationId xmlns:a16="http://schemas.microsoft.com/office/drawing/2014/main" id="{DED12DD5-8C64-88E2-DA49-9056C43D0C54}"/>
               </a:ext>
             </a:extLst>
           </p:cNvPr>
@@ -2958,7 +2958,7 @@
           <p:cNvPr id="6" name="灯片编号占位符 5">
             <a:extLst>
               <a:ext uri="{FF2B5EF4-FFF2-40B4-BE49-F238E27FC236}">
-                <a16:creationId xmlns:a16="http://schemas.microsoft.com/office/drawing/2014/main" id="{B4FB60FE-5D5F-FC1C-0479-213FE2E466BE}"/>
+                <a16:creationId xmlns:a16="http://schemas.microsoft.com/office/drawing/2014/main" id="{B8D7626B-41B8-EBCE-6B24-60D729C05DC6}"/>
               </a:ext>
             </a:extLst>
           </p:cNvPr>
@@ -2992,7 +2992,7 @@
             </a:lvl1pPr>
           </a:lstStyle>
           <a:p>
-            <a:fld id="{C6297DD9-AEC7-4783-AC5F-5D591DD8F1C9}" type="slidenum">
+            <a:fld id="{4D4E93F3-C8D8-4DFD-868C-B18796318157}" type="slidenum">
               <a:rPr lang="zh-CN" altLang="en-US" smtClean="0"/>
               <a:t>‹#›</a:t>
             </a:fld>
@@ -3003,7 +3003,7 @@
     </p:spTree>
     <p:extLst>
       <p:ext uri="{BB962C8B-B14F-4D97-AF65-F5344CB8AC3E}">
-        <p14:creationId xmlns:p14="http://schemas.microsoft.com/office/powerpoint/2010/main" val="1816317476"/>
+        <p14:creationId xmlns:p14="http://schemas.microsoft.com/office/powerpoint/2010/main" val="2331455376"/>
       </p:ext>
     </p:extLst>
   </p:cSld>
@@ -3323,7 +3323,7 @@
       </p:grpSpPr>
       <p:pic>
         <p:nvPicPr>
-          <p:cNvPr id="759810" name="Picture 2" descr="741"/>
+          <p:cNvPr id="760834" name="Picture 2" descr="742"/>
           <p:cNvPicPr>
             <a:picLocks noChangeAspect="1" noChangeArrowheads="1"/>
           </p:cNvPicPr>
